--- a/PPT/8 进程管理.pptx
+++ b/PPT/8 进程管理.pptx
@@ -147,7 +147,7 @@
   </p:defaultTextStyle>
   <p:extLst>
     <p:ext uri="{EFAFB233-063F-42B5-8137-9DF3F51BA10A}">
-      <p15:sldGuideLst xmlns="" xmlns:p15="http://schemas.microsoft.com/office/powerpoint/2012/main"/>
+      <p15:sldGuideLst xmlns:p15="http://schemas.microsoft.com/office/powerpoint/2012/main" xmlns=""/>
     </p:ext>
   </p:extLst>
 </p:presentation>
@@ -235,7 +235,7 @@
           <a:p>
             <a:fld id="{00C1DF01-E9E9-4B0D-8D31-8F1887D834E2}" type="datetimeFigureOut">
               <a:rPr lang="zh-CN" altLang="en-US" smtClean="0"/>
-              <a:t>2017/9/4</a:t>
+              <a:t>2017/9/5</a:t>
             </a:fld>
             <a:endParaRPr lang="zh-CN" altLang="en-US"/>
           </a:p>
@@ -1341,6 +1341,90 @@
       </p:grpSpPr>
       <p:sp>
         <p:nvSpPr>
+          <p:cNvPr id="2" name="幻灯片图像占位符 1"/>
+          <p:cNvSpPr>
+            <a:spLocks noGrp="1" noRot="1" noChangeAspect="1"/>
+          </p:cNvSpPr>
+          <p:nvPr>
+            <p:ph type="sldImg"/>
+          </p:nvPr>
+        </p:nvSpPr>
+        <p:spPr/>
+      </p:sp>
+      <p:sp>
+        <p:nvSpPr>
+          <p:cNvPr id="3" name="备注占位符 2"/>
+          <p:cNvSpPr>
+            <a:spLocks noGrp="1"/>
+          </p:cNvSpPr>
+          <p:nvPr>
+            <p:ph type="body" idx="1"/>
+          </p:nvPr>
+        </p:nvSpPr>
+        <p:spPr/>
+        <p:txBody>
+          <a:bodyPr/>
+          <a:lstStyle/>
+          <a:p>
+            <a:endParaRPr lang="zh-CN" altLang="en-US" dirty="0"/>
+          </a:p>
+        </p:txBody>
+      </p:sp>
+      <p:sp>
+        <p:nvSpPr>
+          <p:cNvPr id="4" name="灯片编号占位符 3"/>
+          <p:cNvSpPr>
+            <a:spLocks noGrp="1"/>
+          </p:cNvSpPr>
+          <p:nvPr>
+            <p:ph type="sldNum" sz="quarter" idx="10"/>
+          </p:nvPr>
+        </p:nvSpPr>
+        <p:spPr/>
+        <p:txBody>
+          <a:bodyPr/>
+          <a:lstStyle/>
+          <a:p>
+            <a:fld id="{F120303F-C514-4A94-9AD4-87C2E815A9CA}" type="slidenum">
+              <a:rPr lang="zh-CN" altLang="en-US" smtClean="0"/>
+              <a:t>31</a:t>
+            </a:fld>
+            <a:endParaRPr lang="zh-CN" altLang="en-US"/>
+          </a:p>
+        </p:txBody>
+      </p:sp>
+    </p:spTree>
+    <p:extLst>
+      <p:ext uri="{BB962C8B-B14F-4D97-AF65-F5344CB8AC3E}">
+        <p14:creationId xmlns:p14="http://schemas.microsoft.com/office/powerpoint/2010/main" val="1597514655"/>
+      </p:ext>
+    </p:extLst>
+  </p:cSld>
+  <p:clrMapOvr>
+    <a:masterClrMapping/>
+  </p:clrMapOvr>
+</p:notes>
+</file>
+
+<file path=ppt/notesSlides/notesSlide17.xml><?xml version="1.0" encoding="utf-8"?>
+<p:notes xmlns:a="http://schemas.openxmlformats.org/drawingml/2006/main" xmlns:r="http://schemas.openxmlformats.org/officeDocument/2006/relationships" xmlns:p="http://schemas.openxmlformats.org/presentationml/2006/main">
+  <p:cSld>
+    <p:spTree>
+      <p:nvGrpSpPr>
+        <p:cNvPr id="1" name=""/>
+        <p:cNvGrpSpPr/>
+        <p:nvPr/>
+      </p:nvGrpSpPr>
+      <p:grpSpPr>
+        <a:xfrm>
+          <a:off x="0" y="0"/>
+          <a:ext cx="0" cy="0"/>
+          <a:chOff x="0" y="0"/>
+          <a:chExt cx="0" cy="0"/>
+        </a:xfrm>
+      </p:grpSpPr>
+      <p:sp>
+        <p:nvSpPr>
           <p:cNvPr id="61442" name="Rectangle 7"/>
           <p:cNvSpPr>
             <a:spLocks noGrp="1" noChangeArrowheads="1"/>
@@ -1569,7 +1653,7 @@
 </p:notes>
 </file>
 
-<file path=ppt/notesSlides/notesSlide17.xml><?xml version="1.0" encoding="utf-8"?>
+<file path=ppt/notesSlides/notesSlide18.xml><?xml version="1.0" encoding="utf-8"?>
 <p:notes xmlns:a="http://schemas.openxmlformats.org/drawingml/2006/main" xmlns:r="http://schemas.openxmlformats.org/officeDocument/2006/relationships" xmlns:p="http://schemas.openxmlformats.org/presentationml/2006/main">
   <p:cSld>
     <p:spTree>
@@ -1804,7 +1888,7 @@
               <a:buFont typeface="Wingdings" pitchFamily="2" charset="2"/>
               <a:buChar char="l"/>
             </a:pPr>
-            <a:endParaRPr lang="en-US" altLang="zh-CN"/>
+            <a:endParaRPr lang="en-US" altLang="zh-CN" dirty="0"/>
           </a:p>
         </p:txBody>
       </p:sp>
@@ -1816,7 +1900,7 @@
 </p:notes>
 </file>
 
-<file path=ppt/notesSlides/notesSlide18.xml><?xml version="1.0" encoding="utf-8"?>
+<file path=ppt/notesSlides/notesSlide19.xml><?xml version="1.0" encoding="utf-8"?>
 <p:notes xmlns:a="http://schemas.openxmlformats.org/drawingml/2006/main" xmlns:r="http://schemas.openxmlformats.org/officeDocument/2006/relationships" xmlns:p="http://schemas.openxmlformats.org/presentationml/2006/main">
   <p:cSld>
     <p:spTree>
@@ -2013,253 +2097,6 @@
       <p:sp>
         <p:nvSpPr>
           <p:cNvPr id="63492" name="Rectangle 3"/>
-          <p:cNvSpPr>
-            <a:spLocks noGrp="1" noChangeArrowheads="1"/>
-          </p:cNvSpPr>
-          <p:nvPr>
-            <p:ph type="body" idx="1"/>
-          </p:nvPr>
-        </p:nvSpPr>
-        <p:spPr>
-          <a:noFill/>
-          <a:ln/>
-          <a:extLst>
-            <a:ext uri="{909E8E84-426E-40DD-AFC4-6F175D3DCCD1}">
-              <a14:hiddenFill xmlns:a14="http://schemas.microsoft.com/office/drawing/2010/main">
-                <a:solidFill>
-                  <a:srgbClr val="FFFFFF"/>
-                </a:solidFill>
-              </a14:hiddenFill>
-            </a:ext>
-            <a:ext uri="{91240B29-F687-4F45-9708-019B960494DF}">
-              <a14:hiddenLine xmlns:a14="http://schemas.microsoft.com/office/drawing/2010/main" w="9525">
-                <a:solidFill>
-                  <a:srgbClr val="000000"/>
-                </a:solidFill>
-                <a:miter lim="800000"/>
-                <a:headEnd/>
-                <a:tailEnd/>
-              </a14:hiddenLine>
-            </a:ext>
-          </a:extLst>
-        </p:spPr>
-        <p:txBody>
-          <a:bodyPr/>
-          <a:lstStyle/>
-          <a:p>
-            <a:pPr eaLnBrk="1" hangingPunct="1">
-              <a:buFont typeface="Wingdings" pitchFamily="2" charset="2"/>
-              <a:buChar char="l"/>
-            </a:pPr>
-            <a:endParaRPr lang="zh-CN" altLang="en-US"/>
-          </a:p>
-        </p:txBody>
-      </p:sp>
-    </p:spTree>
-  </p:cSld>
-  <p:clrMapOvr>
-    <a:masterClrMapping/>
-  </p:clrMapOvr>
-</p:notes>
-</file>
-
-<file path=ppt/notesSlides/notesSlide19.xml><?xml version="1.0" encoding="utf-8"?>
-<p:notes xmlns:a="http://schemas.openxmlformats.org/drawingml/2006/main" xmlns:r="http://schemas.openxmlformats.org/officeDocument/2006/relationships" xmlns:p="http://schemas.openxmlformats.org/presentationml/2006/main">
-  <p:cSld>
-    <p:spTree>
-      <p:nvGrpSpPr>
-        <p:cNvPr id="1" name=""/>
-        <p:cNvGrpSpPr/>
-        <p:nvPr/>
-      </p:nvGrpSpPr>
-      <p:grpSpPr>
-        <a:xfrm>
-          <a:off x="0" y="0"/>
-          <a:ext cx="0" cy="0"/>
-          <a:chOff x="0" y="0"/>
-          <a:chExt cx="0" cy="0"/>
-        </a:xfrm>
-      </p:grpSpPr>
-      <p:sp>
-        <p:nvSpPr>
-          <p:cNvPr id="64514" name="Rectangle 7"/>
-          <p:cNvSpPr>
-            <a:spLocks noGrp="1" noChangeArrowheads="1"/>
-          </p:cNvSpPr>
-          <p:nvPr>
-            <p:ph type="sldNum" sz="quarter" idx="5"/>
-          </p:nvPr>
-        </p:nvSpPr>
-        <p:spPr>
-          <a:noFill/>
-          <a:ln/>
-          <a:extLst>
-            <a:ext uri="{909E8E84-426E-40DD-AFC4-6F175D3DCCD1}">
-              <a14:hiddenFill xmlns:a14="http://schemas.microsoft.com/office/drawing/2010/main">
-                <a:solidFill>
-                  <a:srgbClr val="FFFFFF"/>
-                </a:solidFill>
-              </a14:hiddenFill>
-            </a:ext>
-            <a:ext uri="{91240B29-F687-4F45-9708-019B960494DF}">
-              <a14:hiddenLine xmlns:a14="http://schemas.microsoft.com/office/drawing/2010/main" w="9525">
-                <a:solidFill>
-                  <a:srgbClr val="000000"/>
-                </a:solidFill>
-                <a:miter lim="800000"/>
-                <a:headEnd/>
-                <a:tailEnd/>
-              </a14:hiddenLine>
-            </a:ext>
-          </a:extLst>
-        </p:spPr>
-        <p:txBody>
-          <a:bodyPr/>
-          <a:lstStyle>
-            <a:lvl1pPr algn="ctr" eaLnBrk="0" hangingPunct="0">
-              <a:defRPr sz="3600">
-                <a:solidFill>
-                  <a:srgbClr val="000000"/>
-                </a:solidFill>
-                <a:latin typeface="Arial" charset="0"/>
-                <a:ea typeface="黑体" pitchFamily="2" charset="-122"/>
-              </a:defRPr>
-            </a:lvl1pPr>
-            <a:lvl2pPr marL="742950" indent="-285750" algn="ctr" eaLnBrk="0" hangingPunct="0">
-              <a:defRPr sz="3600">
-                <a:solidFill>
-                  <a:srgbClr val="000000"/>
-                </a:solidFill>
-                <a:latin typeface="Arial" charset="0"/>
-                <a:ea typeface="黑体" pitchFamily="2" charset="-122"/>
-              </a:defRPr>
-            </a:lvl2pPr>
-            <a:lvl3pPr marL="1143000" indent="-228600" algn="ctr" eaLnBrk="0" hangingPunct="0">
-              <a:defRPr sz="3600">
-                <a:solidFill>
-                  <a:srgbClr val="000000"/>
-                </a:solidFill>
-                <a:latin typeface="Arial" charset="0"/>
-                <a:ea typeface="黑体" pitchFamily="2" charset="-122"/>
-              </a:defRPr>
-            </a:lvl3pPr>
-            <a:lvl4pPr marL="1600200" indent="-228600" algn="ctr" eaLnBrk="0" hangingPunct="0">
-              <a:defRPr sz="3600">
-                <a:solidFill>
-                  <a:srgbClr val="000000"/>
-                </a:solidFill>
-                <a:latin typeface="Arial" charset="0"/>
-                <a:ea typeface="黑体" pitchFamily="2" charset="-122"/>
-              </a:defRPr>
-            </a:lvl4pPr>
-            <a:lvl5pPr marL="2057400" indent="-228600" algn="ctr" eaLnBrk="0" hangingPunct="0">
-              <a:defRPr sz="3600">
-                <a:solidFill>
-                  <a:srgbClr val="000000"/>
-                </a:solidFill>
-                <a:latin typeface="Arial" charset="0"/>
-                <a:ea typeface="黑体" pitchFamily="2" charset="-122"/>
-              </a:defRPr>
-            </a:lvl5pPr>
-            <a:lvl6pPr marL="2514600" indent="-228600" algn="ctr" eaLnBrk="0" fontAlgn="base" hangingPunct="0">
-              <a:spcBef>
-                <a:spcPct val="0"/>
-              </a:spcBef>
-              <a:spcAft>
-                <a:spcPct val="0"/>
-              </a:spcAft>
-              <a:defRPr sz="3600">
-                <a:solidFill>
-                  <a:srgbClr val="000000"/>
-                </a:solidFill>
-                <a:latin typeface="Arial" charset="0"/>
-                <a:ea typeface="黑体" pitchFamily="2" charset="-122"/>
-              </a:defRPr>
-            </a:lvl6pPr>
-            <a:lvl7pPr marL="2971800" indent="-228600" algn="ctr" eaLnBrk="0" fontAlgn="base" hangingPunct="0">
-              <a:spcBef>
-                <a:spcPct val="0"/>
-              </a:spcBef>
-              <a:spcAft>
-                <a:spcPct val="0"/>
-              </a:spcAft>
-              <a:defRPr sz="3600">
-                <a:solidFill>
-                  <a:srgbClr val="000000"/>
-                </a:solidFill>
-                <a:latin typeface="Arial" charset="0"/>
-                <a:ea typeface="黑体" pitchFamily="2" charset="-122"/>
-              </a:defRPr>
-            </a:lvl7pPr>
-            <a:lvl8pPr marL="3429000" indent="-228600" algn="ctr" eaLnBrk="0" fontAlgn="base" hangingPunct="0">
-              <a:spcBef>
-                <a:spcPct val="0"/>
-              </a:spcBef>
-              <a:spcAft>
-                <a:spcPct val="0"/>
-              </a:spcAft>
-              <a:defRPr sz="3600">
-                <a:solidFill>
-                  <a:srgbClr val="000000"/>
-                </a:solidFill>
-                <a:latin typeface="Arial" charset="0"/>
-                <a:ea typeface="黑体" pitchFamily="2" charset="-122"/>
-              </a:defRPr>
-            </a:lvl8pPr>
-            <a:lvl9pPr marL="3886200" indent="-228600" algn="ctr" eaLnBrk="0" fontAlgn="base" hangingPunct="0">
-              <a:spcBef>
-                <a:spcPct val="0"/>
-              </a:spcBef>
-              <a:spcAft>
-                <a:spcPct val="0"/>
-              </a:spcAft>
-              <a:defRPr sz="3600">
-                <a:solidFill>
-                  <a:srgbClr val="000000"/>
-                </a:solidFill>
-                <a:latin typeface="Arial" charset="0"/>
-                <a:ea typeface="黑体" pitchFamily="2" charset="-122"/>
-              </a:defRPr>
-            </a:lvl9pPr>
-          </a:lstStyle>
-          <a:p>
-            <a:pPr algn="r" eaLnBrk="1" hangingPunct="1"/>
-            <a:fld id="{176B54E0-3081-474B-A9FE-2019A88394D2}" type="slidenum">
-              <a:rPr lang="en-US" altLang="zh-CN" sz="1200" smtClean="0">
-                <a:solidFill>
-                  <a:schemeClr val="tx1"/>
-                </a:solidFill>
-                <a:ea typeface="宋体" charset="-122"/>
-              </a:rPr>
-              <a:pPr algn="r" eaLnBrk="1" hangingPunct="1"/>
-              <a:t>35</a:t>
-            </a:fld>
-            <a:endParaRPr lang="en-US" altLang="zh-CN" sz="1200" smtClean="0">
-              <a:solidFill>
-                <a:schemeClr val="tx1"/>
-              </a:solidFill>
-              <a:ea typeface="宋体" charset="-122"/>
-            </a:endParaRPr>
-          </a:p>
-        </p:txBody>
-      </p:sp>
-      <p:sp>
-        <p:nvSpPr>
-          <p:cNvPr id="64515" name="Rectangle 2"/>
-          <p:cNvSpPr>
-            <a:spLocks noGrp="1" noRot="1" noChangeAspect="1" noChangeArrowheads="1" noTextEdit="1"/>
-          </p:cNvSpPr>
-          <p:nvPr>
-            <p:ph type="sldImg"/>
-          </p:nvPr>
-        </p:nvSpPr>
-        <p:spPr>
-          <a:ln/>
-        </p:spPr>
-      </p:sp>
-      <p:sp>
-        <p:nvSpPr>
-          <p:cNvPr id="64516" name="Rectangle 3"/>
           <p:cNvSpPr>
             <a:spLocks noGrp="1" noChangeArrowheads="1"/>
           </p:cNvSpPr>
@@ -2574,6 +2411,253 @@
       </p:grpSpPr>
       <p:sp>
         <p:nvSpPr>
+          <p:cNvPr id="64514" name="Rectangle 7"/>
+          <p:cNvSpPr>
+            <a:spLocks noGrp="1" noChangeArrowheads="1"/>
+          </p:cNvSpPr>
+          <p:nvPr>
+            <p:ph type="sldNum" sz="quarter" idx="5"/>
+          </p:nvPr>
+        </p:nvSpPr>
+        <p:spPr>
+          <a:noFill/>
+          <a:ln/>
+          <a:extLst>
+            <a:ext uri="{909E8E84-426E-40DD-AFC4-6F175D3DCCD1}">
+              <a14:hiddenFill xmlns:a14="http://schemas.microsoft.com/office/drawing/2010/main">
+                <a:solidFill>
+                  <a:srgbClr val="FFFFFF"/>
+                </a:solidFill>
+              </a14:hiddenFill>
+            </a:ext>
+            <a:ext uri="{91240B29-F687-4F45-9708-019B960494DF}">
+              <a14:hiddenLine xmlns:a14="http://schemas.microsoft.com/office/drawing/2010/main" w="9525">
+                <a:solidFill>
+                  <a:srgbClr val="000000"/>
+                </a:solidFill>
+                <a:miter lim="800000"/>
+                <a:headEnd/>
+                <a:tailEnd/>
+              </a14:hiddenLine>
+            </a:ext>
+          </a:extLst>
+        </p:spPr>
+        <p:txBody>
+          <a:bodyPr/>
+          <a:lstStyle>
+            <a:lvl1pPr algn="ctr" eaLnBrk="0" hangingPunct="0">
+              <a:defRPr sz="3600">
+                <a:solidFill>
+                  <a:srgbClr val="000000"/>
+                </a:solidFill>
+                <a:latin typeface="Arial" charset="0"/>
+                <a:ea typeface="黑体" pitchFamily="2" charset="-122"/>
+              </a:defRPr>
+            </a:lvl1pPr>
+            <a:lvl2pPr marL="742950" indent="-285750" algn="ctr" eaLnBrk="0" hangingPunct="0">
+              <a:defRPr sz="3600">
+                <a:solidFill>
+                  <a:srgbClr val="000000"/>
+                </a:solidFill>
+                <a:latin typeface="Arial" charset="0"/>
+                <a:ea typeface="黑体" pitchFamily="2" charset="-122"/>
+              </a:defRPr>
+            </a:lvl2pPr>
+            <a:lvl3pPr marL="1143000" indent="-228600" algn="ctr" eaLnBrk="0" hangingPunct="0">
+              <a:defRPr sz="3600">
+                <a:solidFill>
+                  <a:srgbClr val="000000"/>
+                </a:solidFill>
+                <a:latin typeface="Arial" charset="0"/>
+                <a:ea typeface="黑体" pitchFamily="2" charset="-122"/>
+              </a:defRPr>
+            </a:lvl3pPr>
+            <a:lvl4pPr marL="1600200" indent="-228600" algn="ctr" eaLnBrk="0" hangingPunct="0">
+              <a:defRPr sz="3600">
+                <a:solidFill>
+                  <a:srgbClr val="000000"/>
+                </a:solidFill>
+                <a:latin typeface="Arial" charset="0"/>
+                <a:ea typeface="黑体" pitchFamily="2" charset="-122"/>
+              </a:defRPr>
+            </a:lvl4pPr>
+            <a:lvl5pPr marL="2057400" indent="-228600" algn="ctr" eaLnBrk="0" hangingPunct="0">
+              <a:defRPr sz="3600">
+                <a:solidFill>
+                  <a:srgbClr val="000000"/>
+                </a:solidFill>
+                <a:latin typeface="Arial" charset="0"/>
+                <a:ea typeface="黑体" pitchFamily="2" charset="-122"/>
+              </a:defRPr>
+            </a:lvl5pPr>
+            <a:lvl6pPr marL="2514600" indent="-228600" algn="ctr" eaLnBrk="0" fontAlgn="base" hangingPunct="0">
+              <a:spcBef>
+                <a:spcPct val="0"/>
+              </a:spcBef>
+              <a:spcAft>
+                <a:spcPct val="0"/>
+              </a:spcAft>
+              <a:defRPr sz="3600">
+                <a:solidFill>
+                  <a:srgbClr val="000000"/>
+                </a:solidFill>
+                <a:latin typeface="Arial" charset="0"/>
+                <a:ea typeface="黑体" pitchFamily="2" charset="-122"/>
+              </a:defRPr>
+            </a:lvl6pPr>
+            <a:lvl7pPr marL="2971800" indent="-228600" algn="ctr" eaLnBrk="0" fontAlgn="base" hangingPunct="0">
+              <a:spcBef>
+                <a:spcPct val="0"/>
+              </a:spcBef>
+              <a:spcAft>
+                <a:spcPct val="0"/>
+              </a:spcAft>
+              <a:defRPr sz="3600">
+                <a:solidFill>
+                  <a:srgbClr val="000000"/>
+                </a:solidFill>
+                <a:latin typeface="Arial" charset="0"/>
+                <a:ea typeface="黑体" pitchFamily="2" charset="-122"/>
+              </a:defRPr>
+            </a:lvl7pPr>
+            <a:lvl8pPr marL="3429000" indent="-228600" algn="ctr" eaLnBrk="0" fontAlgn="base" hangingPunct="0">
+              <a:spcBef>
+                <a:spcPct val="0"/>
+              </a:spcBef>
+              <a:spcAft>
+                <a:spcPct val="0"/>
+              </a:spcAft>
+              <a:defRPr sz="3600">
+                <a:solidFill>
+                  <a:srgbClr val="000000"/>
+                </a:solidFill>
+                <a:latin typeface="Arial" charset="0"/>
+                <a:ea typeface="黑体" pitchFamily="2" charset="-122"/>
+              </a:defRPr>
+            </a:lvl8pPr>
+            <a:lvl9pPr marL="3886200" indent="-228600" algn="ctr" eaLnBrk="0" fontAlgn="base" hangingPunct="0">
+              <a:spcBef>
+                <a:spcPct val="0"/>
+              </a:spcBef>
+              <a:spcAft>
+                <a:spcPct val="0"/>
+              </a:spcAft>
+              <a:defRPr sz="3600">
+                <a:solidFill>
+                  <a:srgbClr val="000000"/>
+                </a:solidFill>
+                <a:latin typeface="Arial" charset="0"/>
+                <a:ea typeface="黑体" pitchFamily="2" charset="-122"/>
+              </a:defRPr>
+            </a:lvl9pPr>
+          </a:lstStyle>
+          <a:p>
+            <a:pPr algn="r" eaLnBrk="1" hangingPunct="1"/>
+            <a:fld id="{176B54E0-3081-474B-A9FE-2019A88394D2}" type="slidenum">
+              <a:rPr lang="en-US" altLang="zh-CN" sz="1200" smtClean="0">
+                <a:solidFill>
+                  <a:schemeClr val="tx1"/>
+                </a:solidFill>
+                <a:ea typeface="宋体" charset="-122"/>
+              </a:rPr>
+              <a:pPr algn="r" eaLnBrk="1" hangingPunct="1"/>
+              <a:t>35</a:t>
+            </a:fld>
+            <a:endParaRPr lang="en-US" altLang="zh-CN" sz="1200" smtClean="0">
+              <a:solidFill>
+                <a:schemeClr val="tx1"/>
+              </a:solidFill>
+              <a:ea typeface="宋体" charset="-122"/>
+            </a:endParaRPr>
+          </a:p>
+        </p:txBody>
+      </p:sp>
+      <p:sp>
+        <p:nvSpPr>
+          <p:cNvPr id="64515" name="Rectangle 2"/>
+          <p:cNvSpPr>
+            <a:spLocks noGrp="1" noRot="1" noChangeAspect="1" noChangeArrowheads="1" noTextEdit="1"/>
+          </p:cNvSpPr>
+          <p:nvPr>
+            <p:ph type="sldImg"/>
+          </p:nvPr>
+        </p:nvSpPr>
+        <p:spPr>
+          <a:ln/>
+        </p:spPr>
+      </p:sp>
+      <p:sp>
+        <p:nvSpPr>
+          <p:cNvPr id="64516" name="Rectangle 3"/>
+          <p:cNvSpPr>
+            <a:spLocks noGrp="1" noChangeArrowheads="1"/>
+          </p:cNvSpPr>
+          <p:nvPr>
+            <p:ph type="body" idx="1"/>
+          </p:nvPr>
+        </p:nvSpPr>
+        <p:spPr>
+          <a:noFill/>
+          <a:ln/>
+          <a:extLst>
+            <a:ext uri="{909E8E84-426E-40DD-AFC4-6F175D3DCCD1}">
+              <a14:hiddenFill xmlns:a14="http://schemas.microsoft.com/office/drawing/2010/main">
+                <a:solidFill>
+                  <a:srgbClr val="FFFFFF"/>
+                </a:solidFill>
+              </a14:hiddenFill>
+            </a:ext>
+            <a:ext uri="{91240B29-F687-4F45-9708-019B960494DF}">
+              <a14:hiddenLine xmlns:a14="http://schemas.microsoft.com/office/drawing/2010/main" w="9525">
+                <a:solidFill>
+                  <a:srgbClr val="000000"/>
+                </a:solidFill>
+                <a:miter lim="800000"/>
+                <a:headEnd/>
+                <a:tailEnd/>
+              </a14:hiddenLine>
+            </a:ext>
+          </a:extLst>
+        </p:spPr>
+        <p:txBody>
+          <a:bodyPr/>
+          <a:lstStyle/>
+          <a:p>
+            <a:pPr eaLnBrk="1" hangingPunct="1">
+              <a:buFont typeface="Wingdings" pitchFamily="2" charset="2"/>
+              <a:buChar char="l"/>
+            </a:pPr>
+            <a:endParaRPr lang="zh-CN" altLang="en-US"/>
+          </a:p>
+        </p:txBody>
+      </p:sp>
+    </p:spTree>
+  </p:cSld>
+  <p:clrMapOvr>
+    <a:masterClrMapping/>
+  </p:clrMapOvr>
+</p:notes>
+</file>
+
+<file path=ppt/notesSlides/notesSlide21.xml><?xml version="1.0" encoding="utf-8"?>
+<p:notes xmlns:a="http://schemas.openxmlformats.org/drawingml/2006/main" xmlns:r="http://schemas.openxmlformats.org/officeDocument/2006/relationships" xmlns:p="http://schemas.openxmlformats.org/presentationml/2006/main">
+  <p:cSld>
+    <p:spTree>
+      <p:nvGrpSpPr>
+        <p:cNvPr id="1" name=""/>
+        <p:cNvGrpSpPr/>
+        <p:nvPr/>
+      </p:nvGrpSpPr>
+      <p:grpSpPr>
+        <a:xfrm>
+          <a:off x="0" y="0"/>
+          <a:ext cx="0" cy="0"/>
+          <a:chOff x="0" y="0"/>
+          <a:chExt cx="0" cy="0"/>
+        </a:xfrm>
+      </p:grpSpPr>
+      <p:sp>
+        <p:nvSpPr>
           <p:cNvPr id="65538" name="Rectangle 7"/>
           <p:cNvSpPr>
             <a:spLocks noGrp="1" noChangeArrowheads="1"/>
@@ -2802,7 +2886,7 @@
 </p:notes>
 </file>
 
-<file path=ppt/notesSlides/notesSlide21.xml><?xml version="1.0" encoding="utf-8"?>
+<file path=ppt/notesSlides/notesSlide22.xml><?xml version="1.0" encoding="utf-8"?>
 <p:notes xmlns:a="http://schemas.openxmlformats.org/drawingml/2006/main" xmlns:r="http://schemas.openxmlformats.org/officeDocument/2006/relationships" xmlns:p="http://schemas.openxmlformats.org/presentationml/2006/main">
   <p:cSld>
     <p:spTree>
@@ -3049,7 +3133,7 @@
 </p:notes>
 </file>
 
-<file path=ppt/notesSlides/notesSlide22.xml><?xml version="1.0" encoding="utf-8"?>
+<file path=ppt/notesSlides/notesSlide23.xml><?xml version="1.0" encoding="utf-8"?>
 <p:notes xmlns:a="http://schemas.openxmlformats.org/drawingml/2006/main" xmlns:r="http://schemas.openxmlformats.org/officeDocument/2006/relationships" xmlns:p="http://schemas.openxmlformats.org/presentationml/2006/main">
   <p:cSld>
     <p:spTree>
@@ -5517,7 +5601,7 @@
             <a:fld id="{B61BEF0D-F0BB-DE4B-95CE-6DB70DBA9567}" type="datetimeFigureOut">
               <a:rPr lang="en-US" dirty="0"/>
               <a:pPr/>
-              <a:t>9/4/2017</a:t>
+              <a:t>9/5/2017</a:t>
             </a:fld>
             <a:endParaRPr lang="en-US" dirty="0"/>
           </a:p>
@@ -5742,7 +5826,7 @@
             <a:fld id="{B61BEF0D-F0BB-DE4B-95CE-6DB70DBA9567}" type="datetimeFigureOut">
               <a:rPr lang="en-US" dirty="0"/>
               <a:pPr/>
-              <a:t>9/4/2017</a:t>
+              <a:t>9/5/2017</a:t>
             </a:fld>
             <a:endParaRPr lang="en-US" dirty="0"/>
           </a:p>
@@ -6096,7 +6180,7 @@
             <a:fld id="{B61BEF0D-F0BB-DE4B-95CE-6DB70DBA9567}" type="datetimeFigureOut">
               <a:rPr lang="en-US" dirty="0"/>
               <a:pPr/>
-              <a:t>9/4/2017</a:t>
+              <a:t>9/5/2017</a:t>
             </a:fld>
             <a:endParaRPr lang="en-US" dirty="0"/>
           </a:p>
@@ -6513,7 +6597,7 @@
             <a:fld id="{B61BEF0D-F0BB-DE4B-95CE-6DB70DBA9567}" type="datetimeFigureOut">
               <a:rPr lang="en-US" dirty="0"/>
               <a:pPr/>
-              <a:t>9/4/2017</a:t>
+              <a:t>9/5/2017</a:t>
             </a:fld>
             <a:endParaRPr lang="en-US" dirty="0"/>
           </a:p>
@@ -6865,7 +6949,7 @@
             <a:fld id="{B61BEF0D-F0BB-DE4B-95CE-6DB70DBA9567}" type="datetimeFigureOut">
               <a:rPr lang="en-US" dirty="0"/>
               <a:pPr/>
-              <a:t>9/4/2017</a:t>
+              <a:t>9/5/2017</a:t>
             </a:fld>
             <a:endParaRPr lang="en-US" dirty="0"/>
           </a:p>
@@ -7201,7 +7285,7 @@
             <a:fld id="{B61BEF0D-F0BB-DE4B-95CE-6DB70DBA9567}" type="datetimeFigureOut">
               <a:rPr lang="en-US" dirty="0"/>
               <a:pPr/>
-              <a:t>9/4/2017</a:t>
+              <a:t>9/5/2017</a:t>
             </a:fld>
             <a:endParaRPr lang="en-US" dirty="0"/>
           </a:p>
@@ -7613,7 +7697,7 @@
             <a:fld id="{B61BEF0D-F0BB-DE4B-95CE-6DB70DBA9567}" type="datetimeFigureOut">
               <a:rPr lang="en-US" dirty="0"/>
               <a:pPr/>
-              <a:t>9/4/2017</a:t>
+              <a:t>9/5/2017</a:t>
             </a:fld>
             <a:endParaRPr lang="en-US" dirty="0"/>
           </a:p>
@@ -7886,7 +7970,7 @@
             <a:fld id="{B61BEF0D-F0BB-DE4B-95CE-6DB70DBA9567}" type="datetimeFigureOut">
               <a:rPr lang="en-US" dirty="0"/>
               <a:pPr/>
-              <a:t>9/4/2017</a:t>
+              <a:t>9/5/2017</a:t>
             </a:fld>
             <a:endParaRPr lang="en-US" dirty="0"/>
           </a:p>
@@ -8169,7 +8253,7 @@
             <a:fld id="{B61BEF0D-F0BB-DE4B-95CE-6DB70DBA9567}" type="datetimeFigureOut">
               <a:rPr lang="en-US" dirty="0"/>
               <a:pPr/>
-              <a:t>9/4/2017</a:t>
+              <a:t>9/5/2017</a:t>
             </a:fld>
             <a:endParaRPr lang="en-US" dirty="0"/>
           </a:p>
@@ -8755,7 +8839,7 @@
             <a:fld id="{B61BEF0D-F0BB-DE4B-95CE-6DB70DBA9567}" type="datetimeFigureOut">
               <a:rPr lang="en-US" dirty="0"/>
               <a:pPr/>
-              <a:t>9/4/2017</a:t>
+              <a:t>9/5/2017</a:t>
             </a:fld>
             <a:endParaRPr lang="en-US" dirty="0"/>
           </a:p>
@@ -9094,7 +9178,7 @@
             <a:fld id="{B61BEF0D-F0BB-DE4B-95CE-6DB70DBA9567}" type="datetimeFigureOut">
               <a:rPr lang="en-US" dirty="0"/>
               <a:pPr/>
-              <a:t>9/4/2017</a:t>
+              <a:t>9/5/2017</a:t>
             </a:fld>
             <a:endParaRPr lang="en-US" dirty="0"/>
           </a:p>
@@ -9567,7 +9651,7 @@
             <a:fld id="{B61BEF0D-F0BB-DE4B-95CE-6DB70DBA9567}" type="datetimeFigureOut">
               <a:rPr lang="en-US" dirty="0"/>
               <a:pPr/>
-              <a:t>9/4/2017</a:t>
+              <a:t>9/5/2017</a:t>
             </a:fld>
             <a:endParaRPr lang="en-US" dirty="0"/>
           </a:p>
@@ -9788,7 +9872,7 @@
             <a:fld id="{B61BEF0D-F0BB-DE4B-95CE-6DB70DBA9567}" type="datetimeFigureOut">
               <a:rPr lang="en-US" dirty="0"/>
               <a:pPr/>
-              <a:t>9/4/2017</a:t>
+              <a:t>9/5/2017</a:t>
             </a:fld>
             <a:endParaRPr lang="en-US" dirty="0"/>
           </a:p>
@@ -9986,7 +10070,7 @@
             <a:fld id="{B61BEF0D-F0BB-DE4B-95CE-6DB70DBA9567}" type="datetimeFigureOut">
               <a:rPr lang="en-US" dirty="0"/>
               <a:pPr/>
-              <a:t>9/4/2017</a:t>
+              <a:t>9/5/2017</a:t>
             </a:fld>
             <a:endParaRPr lang="en-US" dirty="0"/>
           </a:p>
@@ -10340,7 +10424,7 @@
             <a:fld id="{B61BEF0D-F0BB-DE4B-95CE-6DB70DBA9567}" type="datetimeFigureOut">
               <a:rPr lang="en-US" dirty="0"/>
               <a:pPr/>
-              <a:t>9/4/2017</a:t>
+              <a:t>9/5/2017</a:t>
             </a:fld>
             <a:endParaRPr lang="en-US" dirty="0"/>
           </a:p>
@@ -19276,11 +19360,7 @@
             </a:r>
             <a:r>
               <a:rPr lang="zh-CN" altLang="en-US" dirty="0" smtClean="0"/>
-              <a:t>资源</a:t>
-            </a:r>
-            <a:r>
-              <a:rPr lang="zh-CN" altLang="en-US" dirty="0" smtClean="0"/>
-              <a:t>的情况 ，使用：</a:t>
+              <a:t>资源的情况 ，使用：</a:t>
             </a:r>
             <a:r>
               <a:rPr lang="en-US" altLang="zh-CN" dirty="0" err="1" smtClean="0"/>
@@ -26123,175 +26203,248 @@
           <a:lstStyle/>
           <a:p>
             <a:pPr marL="342900" indent="-342900">
+              <a:lnSpc>
+                <a:spcPct val="110000"/>
+              </a:lnSpc>
               <a:spcBef>
-                <a:spcPct val="20000"/>
+                <a:spcPts val="1000"/>
               </a:spcBef>
               <a:buClr>
-                <a:schemeClr val="tx1"/>
+                <a:schemeClr val="accent1"/>
               </a:buClr>
-              <a:buFont typeface="Wingdings" pitchFamily="2" charset="2"/>
-              <a:buBlip>
-                <a:blip r:embed="rId3"/>
-              </a:buBlip>
+              <a:buFont typeface="Wingdings 3" charset="2"/>
+              <a:buChar char=""/>
             </a:pPr>
             <a:r>
-              <a:rPr lang="en-US" altLang="zh-CN" sz="2800" b="1">
-                <a:ea typeface="黑体" pitchFamily="2" charset="-122"/>
+              <a:rPr lang="en-US" altLang="zh-CN" sz="2200" b="1" dirty="0" err="1">
+                <a:solidFill>
+                  <a:schemeClr val="tx1">
+                    <a:lumMod val="75000"/>
+                    <a:lumOff val="25000"/>
+                  </a:schemeClr>
+                </a:solidFill>
+                <a:latin typeface="Times New Roman" panose="02020603050405020304" pitchFamily="18" charset="0"/>
+                <a:ea typeface="楷体" panose="02010609060101010101" pitchFamily="49" charset="-122"/>
               </a:rPr>
               <a:t>atq</a:t>
             </a:r>
             <a:r>
-              <a:rPr lang="zh-CN" altLang="en-US" sz="2800" b="1">
-                <a:ea typeface="黑体" pitchFamily="2" charset="-122"/>
+              <a:rPr lang="zh-CN" altLang="en-US" sz="2200" b="1" dirty="0">
+                <a:solidFill>
+                  <a:schemeClr val="tx1">
+                    <a:lumMod val="75000"/>
+                    <a:lumOff val="25000"/>
+                  </a:schemeClr>
+                </a:solidFill>
+                <a:latin typeface="Times New Roman" panose="02020603050405020304" pitchFamily="18" charset="0"/>
+                <a:ea typeface="楷体" panose="02010609060101010101" pitchFamily="49" charset="-122"/>
               </a:rPr>
               <a:t>命令</a:t>
             </a:r>
           </a:p>
           <a:p>
             <a:pPr marL="742950" lvl="1" indent="-285750">
+              <a:lnSpc>
+                <a:spcPct val="110000"/>
+              </a:lnSpc>
               <a:spcBef>
-                <a:spcPct val="20000"/>
+                <a:spcPts val="1000"/>
               </a:spcBef>
               <a:buClr>
-                <a:schemeClr val="tx1"/>
+                <a:schemeClr val="accent1"/>
               </a:buClr>
-              <a:buFontTx/>
-              <a:buBlip>
-                <a:blip r:embed="rId4"/>
-              </a:buBlip>
+              <a:buFont typeface="Wingdings" panose="05000000000000000000" pitchFamily="2" charset="2"/>
+              <a:buChar char="u"/>
             </a:pPr>
             <a:r>
-              <a:rPr lang="zh-CN" altLang="en-US" sz="2400" b="1">
-                <a:solidFill>
-                  <a:srgbClr val="003366"/>
-                </a:solidFill>
-                <a:ea typeface="黑体" pitchFamily="2" charset="-122"/>
+              <a:rPr lang="zh-CN" altLang="en-US" sz="2200" b="1" dirty="0">
+                <a:solidFill>
+                  <a:schemeClr val="tx1">
+                    <a:lumMod val="75000"/>
+                    <a:lumOff val="25000"/>
+                  </a:schemeClr>
+                </a:solidFill>
+                <a:latin typeface="Times New Roman" panose="02020603050405020304" pitchFamily="18" charset="0"/>
+                <a:ea typeface="楷体" panose="02010609060101010101" pitchFamily="49" charset="-122"/>
               </a:rPr>
               <a:t>用途：查询当前设置的</a:t>
             </a:r>
             <a:r>
-              <a:rPr lang="en-US" altLang="zh-CN" sz="2400" b="1">
-                <a:solidFill>
-                  <a:srgbClr val="003366"/>
-                </a:solidFill>
-                <a:ea typeface="黑体" pitchFamily="2" charset="-122"/>
+              <a:rPr lang="en-US" altLang="zh-CN" sz="2200" b="1" dirty="0">
+                <a:solidFill>
+                  <a:schemeClr val="tx1">
+                    <a:lumMod val="75000"/>
+                    <a:lumOff val="25000"/>
+                  </a:schemeClr>
+                </a:solidFill>
+                <a:latin typeface="Times New Roman" panose="02020603050405020304" pitchFamily="18" charset="0"/>
+                <a:ea typeface="楷体" panose="02010609060101010101" pitchFamily="49" charset="-122"/>
               </a:rPr>
               <a:t>at</a:t>
             </a:r>
             <a:r>
-              <a:rPr lang="zh-CN" altLang="en-US" sz="2400" b="1">
-                <a:solidFill>
-                  <a:srgbClr val="003366"/>
-                </a:solidFill>
-                <a:ea typeface="黑体" pitchFamily="2" charset="-122"/>
+              <a:rPr lang="zh-CN" altLang="en-US" sz="2200" b="1" dirty="0">
+                <a:solidFill>
+                  <a:schemeClr val="tx1">
+                    <a:lumMod val="75000"/>
+                    <a:lumOff val="25000"/>
+                  </a:schemeClr>
+                </a:solidFill>
+                <a:latin typeface="Times New Roman" panose="02020603050405020304" pitchFamily="18" charset="0"/>
+                <a:ea typeface="楷体" panose="02010609060101010101" pitchFamily="49" charset="-122"/>
               </a:rPr>
               <a:t>任务列表</a:t>
             </a:r>
           </a:p>
           <a:p>
             <a:pPr marL="342900" indent="-342900">
+              <a:lnSpc>
+                <a:spcPct val="110000"/>
+              </a:lnSpc>
               <a:spcBef>
-                <a:spcPct val="20000"/>
+                <a:spcPts val="1000"/>
               </a:spcBef>
               <a:buClr>
-                <a:schemeClr val="tx1"/>
+                <a:schemeClr val="accent1"/>
               </a:buClr>
-              <a:buFont typeface="Wingdings" pitchFamily="2" charset="2"/>
-              <a:buBlip>
-                <a:blip r:embed="rId3"/>
-              </a:buBlip>
+              <a:buFont typeface="Wingdings 3" charset="2"/>
+              <a:buChar char=""/>
             </a:pPr>
             <a:r>
-              <a:rPr lang="en-US" altLang="zh-CN" sz="2800" b="1">
-                <a:ea typeface="黑体" pitchFamily="2" charset="-122"/>
+              <a:rPr lang="en-US" altLang="zh-CN" sz="2200" b="1" dirty="0" err="1">
+                <a:solidFill>
+                  <a:schemeClr val="tx1">
+                    <a:lumMod val="75000"/>
+                    <a:lumOff val="25000"/>
+                  </a:schemeClr>
+                </a:solidFill>
+                <a:latin typeface="Times New Roman" panose="02020603050405020304" pitchFamily="18" charset="0"/>
+                <a:ea typeface="楷体" panose="02010609060101010101" pitchFamily="49" charset="-122"/>
               </a:rPr>
               <a:t>atrm</a:t>
             </a:r>
             <a:r>
-              <a:rPr lang="zh-CN" altLang="en-US" sz="2800" b="1">
-                <a:ea typeface="黑体" pitchFamily="2" charset="-122"/>
+              <a:rPr lang="zh-CN" altLang="en-US" sz="2200" b="1" dirty="0">
+                <a:solidFill>
+                  <a:schemeClr val="tx1">
+                    <a:lumMod val="75000"/>
+                    <a:lumOff val="25000"/>
+                  </a:schemeClr>
+                </a:solidFill>
+                <a:latin typeface="Times New Roman" panose="02020603050405020304" pitchFamily="18" charset="0"/>
+                <a:ea typeface="楷体" panose="02010609060101010101" pitchFamily="49" charset="-122"/>
               </a:rPr>
               <a:t>命令：</a:t>
             </a:r>
           </a:p>
           <a:p>
             <a:pPr marL="742950" lvl="1" indent="-285750">
+              <a:lnSpc>
+                <a:spcPct val="110000"/>
+              </a:lnSpc>
               <a:spcBef>
-                <a:spcPct val="20000"/>
+                <a:spcPts val="1000"/>
               </a:spcBef>
               <a:buClr>
-                <a:schemeClr val="tx1"/>
+                <a:schemeClr val="accent1"/>
               </a:buClr>
-              <a:buFontTx/>
-              <a:buBlip>
-                <a:blip r:embed="rId4"/>
-              </a:buBlip>
+              <a:buFont typeface="Wingdings" panose="05000000000000000000" pitchFamily="2" charset="2"/>
+              <a:buChar char="u"/>
             </a:pPr>
             <a:r>
-              <a:rPr lang="zh-CN" altLang="en-US" sz="2400" b="1">
-                <a:solidFill>
-                  <a:srgbClr val="003366"/>
-                </a:solidFill>
-                <a:ea typeface="黑体" pitchFamily="2" charset="-122"/>
+              <a:rPr lang="zh-CN" altLang="en-US" sz="2200" b="1" dirty="0">
+                <a:solidFill>
+                  <a:schemeClr val="tx1">
+                    <a:lumMod val="75000"/>
+                    <a:lumOff val="25000"/>
+                  </a:schemeClr>
+                </a:solidFill>
+                <a:latin typeface="Times New Roman" panose="02020603050405020304" pitchFamily="18" charset="0"/>
+                <a:ea typeface="楷体" panose="02010609060101010101" pitchFamily="49" charset="-122"/>
               </a:rPr>
               <a:t>用途：删除指定任务编号的</a:t>
             </a:r>
             <a:r>
-              <a:rPr lang="en-US" altLang="zh-CN" sz="2400" b="1">
-                <a:solidFill>
-                  <a:srgbClr val="003366"/>
-                </a:solidFill>
-                <a:ea typeface="黑体" pitchFamily="2" charset="-122"/>
+              <a:rPr lang="en-US" altLang="zh-CN" sz="2200" b="1" dirty="0">
+                <a:solidFill>
+                  <a:schemeClr val="tx1">
+                    <a:lumMod val="75000"/>
+                    <a:lumOff val="25000"/>
+                  </a:schemeClr>
+                </a:solidFill>
+                <a:latin typeface="Times New Roman" panose="02020603050405020304" pitchFamily="18" charset="0"/>
+                <a:ea typeface="楷体" panose="02010609060101010101" pitchFamily="49" charset="-122"/>
               </a:rPr>
               <a:t>at</a:t>
             </a:r>
             <a:r>
-              <a:rPr lang="zh-CN" altLang="en-US" sz="2400" b="1">
-                <a:solidFill>
-                  <a:srgbClr val="003366"/>
-                </a:solidFill>
-                <a:ea typeface="黑体" pitchFamily="2" charset="-122"/>
+              <a:rPr lang="zh-CN" altLang="en-US" sz="2200" b="1" dirty="0">
+                <a:solidFill>
+                  <a:schemeClr val="tx1">
+                    <a:lumMod val="75000"/>
+                    <a:lumOff val="25000"/>
+                  </a:schemeClr>
+                </a:solidFill>
+                <a:latin typeface="Times New Roman" panose="02020603050405020304" pitchFamily="18" charset="0"/>
+                <a:ea typeface="楷体" panose="02010609060101010101" pitchFamily="49" charset="-122"/>
               </a:rPr>
               <a:t>任务</a:t>
             </a:r>
           </a:p>
           <a:p>
             <a:pPr marL="742950" lvl="1" indent="-285750">
+              <a:lnSpc>
+                <a:spcPct val="110000"/>
+              </a:lnSpc>
               <a:spcBef>
-                <a:spcPct val="20000"/>
+                <a:spcPts val="1000"/>
               </a:spcBef>
               <a:buClr>
-                <a:schemeClr val="tx1"/>
+                <a:schemeClr val="accent1"/>
               </a:buClr>
-              <a:buFontTx/>
-              <a:buBlip>
-                <a:blip r:embed="rId4"/>
-              </a:buBlip>
+              <a:buFont typeface="Wingdings" panose="05000000000000000000" pitchFamily="2" charset="2"/>
+              <a:buChar char="u"/>
             </a:pPr>
             <a:r>
-              <a:rPr lang="zh-CN" altLang="en-US" sz="2400" b="1">
-                <a:solidFill>
-                  <a:srgbClr val="003366"/>
-                </a:solidFill>
-                <a:ea typeface="黑体" pitchFamily="2" charset="-122"/>
+              <a:rPr lang="zh-CN" altLang="en-US" sz="2200" b="1" dirty="0">
+                <a:solidFill>
+                  <a:schemeClr val="tx1">
+                    <a:lumMod val="75000"/>
+                    <a:lumOff val="25000"/>
+                  </a:schemeClr>
+                </a:solidFill>
+                <a:latin typeface="Times New Roman" panose="02020603050405020304" pitchFamily="18" charset="0"/>
+                <a:ea typeface="楷体" panose="02010609060101010101" pitchFamily="49" charset="-122"/>
               </a:rPr>
               <a:t>格式：</a:t>
             </a:r>
             <a:r>
-              <a:rPr lang="en-US" altLang="zh-CN" sz="2400" b="1">
+              <a:rPr lang="en-US" altLang="zh-CN" sz="2200" b="1" dirty="0" err="1">
                 <a:solidFill>
                   <a:srgbClr val="FF0000"/>
                 </a:solidFill>
-                <a:ea typeface="黑体" pitchFamily="2" charset="-122"/>
-              </a:rPr>
-              <a:t>atrm  </a:t>
-            </a:r>
-            <a:r>
-              <a:rPr lang="zh-CN" altLang="en-US" sz="2400" b="1">
+                <a:latin typeface="Times New Roman" panose="02020603050405020304" pitchFamily="18" charset="0"/>
+                <a:ea typeface="楷体" panose="02010609060101010101" pitchFamily="49" charset="-122"/>
+              </a:rPr>
+              <a:t>atrm</a:t>
+            </a:r>
+            <a:r>
+              <a:rPr lang="en-US" altLang="zh-CN" sz="2200" b="1" dirty="0">
                 <a:solidFill>
                   <a:srgbClr val="FF0000"/>
                 </a:solidFill>
-                <a:ea typeface="黑体" pitchFamily="2" charset="-122"/>
+                <a:latin typeface="Times New Roman" panose="02020603050405020304" pitchFamily="18" charset="0"/>
+                <a:ea typeface="楷体" panose="02010609060101010101" pitchFamily="49" charset="-122"/>
+              </a:rPr>
+              <a:t>  </a:t>
+            </a:r>
+            <a:r>
+              <a:rPr lang="zh-CN" altLang="en-US" sz="2200" b="1" dirty="0">
+                <a:solidFill>
+                  <a:srgbClr val="FF0000"/>
+                </a:solidFill>
+                <a:latin typeface="Times New Roman" panose="02020603050405020304" pitchFamily="18" charset="0"/>
+                <a:ea typeface="楷体" panose="02010609060101010101" pitchFamily="49" charset="-122"/>
               </a:rPr>
               <a:t>编号</a:t>
             </a:r>
@@ -26308,7 +26461,7 @@
         </p:nvSpPr>
         <p:spPr bwMode="auto">
           <a:xfrm>
-            <a:off x="766233" y="3278236"/>
+            <a:off x="988271" y="2830668"/>
             <a:ext cx="10676467" cy="3206750"/>
           </a:xfrm>
           <a:prstGeom prst="roundRect">
@@ -26653,19 +26806,19 @@
           <a:lstStyle/>
           <a:p>
             <a:r>
-              <a:rPr lang="zh-CN" altLang="en-US" sz="1800" b="1">
+              <a:rPr lang="zh-CN" altLang="en-US" sz="1800" b="1" dirty="0">
                 <a:ea typeface="楷体_GB2312" pitchFamily="49" charset="-122"/>
               </a:rPr>
               <a:t>按</a:t>
             </a:r>
             <a:r>
-              <a:rPr lang="en-US" altLang="zh-CN" sz="1800" b="1">
+              <a:rPr lang="en-US" altLang="zh-CN" sz="1800" b="1" dirty="0" err="1">
                 <a:ea typeface="楷体_GB2312" pitchFamily="49" charset="-122"/>
               </a:rPr>
               <a:t>Ctrl+D</a:t>
             </a:r>
             <a:r>
-              <a:rPr lang="zh-CN" altLang="en-US" sz="1800" b="1">
+              <a:rPr lang="zh-CN" altLang="en-US" sz="1800" b="1" dirty="0">
                 <a:ea typeface="楷体_GB2312" pitchFamily="49" charset="-122"/>
               </a:rPr>
               <a:t>键提交任务</a:t>
@@ -27248,7 +27401,19 @@
             </a:r>
             <a:r>
               <a:rPr lang="zh-CN" altLang="en-US" dirty="0" smtClean="0"/>
-              <a:t>）重复执行用户指定的命令操作，属于周期性计划任务</a:t>
+              <a:t>）重复执行用户指定的命令操作，属于</a:t>
+            </a:r>
+            <a:r>
+              <a:rPr lang="zh-CN" altLang="en-US" dirty="0" smtClean="0">
+                <a:solidFill>
+                  <a:srgbClr val="FF0000"/>
+                </a:solidFill>
+              </a:rPr>
+              <a:t>周期性</a:t>
+            </a:r>
+            <a:r>
+              <a:rPr lang="zh-CN" altLang="en-US" dirty="0" smtClean="0"/>
+              <a:t>计划任务</a:t>
             </a:r>
           </a:p>
           <a:p>
@@ -27467,7 +27632,7 @@
         </p:nvSpPr>
         <p:spPr bwMode="auto">
           <a:xfrm>
-            <a:off x="989542" y="487047"/>
+            <a:off x="879363" y="0"/>
             <a:ext cx="10676467" cy="3997325"/>
           </a:xfrm>
           <a:prstGeom prst="roundRect">
@@ -28612,9 +28777,14 @@
               <a:buNone/>
             </a:pPr>
             <a:r>
-              <a:rPr lang="en-US" altLang="zh-CN" smtClean="0"/>
-              <a:t>50   3      2    1    0            *          run_command</a:t>
-            </a:r>
+              <a:rPr lang="en-US" altLang="zh-CN" dirty="0" smtClean="0"/>
+              <a:t>50   3      2    1    0            *          </a:t>
+            </a:r>
+            <a:r>
+              <a:rPr lang="en-US" altLang="zh-CN" dirty="0" err="1" smtClean="0"/>
+              <a:t>run_command</a:t>
+            </a:r>
+            <a:endParaRPr lang="en-US" altLang="zh-CN" dirty="0" smtClean="0"/>
           </a:p>
         </p:txBody>
       </p:sp>
@@ -30201,8 +30371,8 @@
           </a:xfrm>
           <a:prstGeom prst="wedgeRoundRectCallout">
             <a:avLst>
-              <a:gd name="adj1" fmla="val 48796"/>
-              <a:gd name="adj2" fmla="val -87444"/>
+              <a:gd name="adj1" fmla="val 11896"/>
+              <a:gd name="adj2" fmla="val -113989"/>
               <a:gd name="adj3" fmla="val 16667"/>
             </a:avLst>
           </a:prstGeom>
@@ -30261,8 +30431,8 @@
           </a:xfrm>
           <a:prstGeom prst="wedgeRoundRectCallout">
             <a:avLst>
-              <a:gd name="adj1" fmla="val 48796"/>
-              <a:gd name="adj2" fmla="val -87444"/>
+              <a:gd name="adj1" fmla="val -54808"/>
+              <a:gd name="adj2" fmla="val -140535"/>
               <a:gd name="adj3" fmla="val 16667"/>
             </a:avLst>
           </a:prstGeom>
@@ -30298,7 +30468,7 @@
           <a:lstStyle/>
           <a:p>
             <a:r>
-              <a:rPr lang="zh-CN" altLang="en-US" sz="1800" b="1">
+              <a:rPr lang="zh-CN" altLang="en-US" sz="1800" b="1" dirty="0">
                 <a:ea typeface="楷体_GB2312" pitchFamily="49" charset="-122"/>
               </a:rPr>
               <a:t>小时</a:t>
@@ -30321,8 +30491,8 @@
           </a:xfrm>
           <a:prstGeom prst="wedgeRoundRectCallout">
             <a:avLst>
-              <a:gd name="adj1" fmla="val 48796"/>
-              <a:gd name="adj2" fmla="val -87444"/>
+              <a:gd name="adj1" fmla="val -101643"/>
+              <a:gd name="adj2" fmla="val -121574"/>
               <a:gd name="adj3" fmla="val 16667"/>
             </a:avLst>
           </a:prstGeom>
@@ -30381,8 +30551,8 @@
           </a:xfrm>
           <a:prstGeom prst="wedgeRoundRectCallout">
             <a:avLst>
-              <a:gd name="adj1" fmla="val 48796"/>
-              <a:gd name="adj2" fmla="val -87444"/>
+              <a:gd name="adj1" fmla="val -155573"/>
+              <a:gd name="adj2" fmla="val -125366"/>
               <a:gd name="adj3" fmla="val 16667"/>
             </a:avLst>
           </a:prstGeom>
@@ -30441,8 +30611,8 @@
           </a:xfrm>
           <a:prstGeom prst="wedgeRoundRectCallout">
             <a:avLst>
-              <a:gd name="adj1" fmla="val 48796"/>
-              <a:gd name="adj2" fmla="val -87444"/>
+              <a:gd name="adj1" fmla="val -220858"/>
+              <a:gd name="adj2" fmla="val -155704"/>
               <a:gd name="adj3" fmla="val 16667"/>
             </a:avLst>
           </a:prstGeom>
@@ -30478,7 +30648,7 @@
           <a:lstStyle/>
           <a:p>
             <a:r>
-              <a:rPr lang="zh-CN" altLang="en-US" sz="1800" b="1">
+              <a:rPr lang="zh-CN" altLang="en-US" sz="1800" b="1" dirty="0">
                 <a:ea typeface="楷体_GB2312" pitchFamily="49" charset="-122"/>
               </a:rPr>
               <a:t>星期</a:t>
@@ -30556,7 +30726,7 @@
         </p:nvSpPr>
         <p:spPr bwMode="auto">
           <a:xfrm>
-            <a:off x="408517" y="1125539"/>
+            <a:off x="498457" y="1125539"/>
             <a:ext cx="6144683" cy="1457325"/>
           </a:xfrm>
           <a:prstGeom prst="roundRect">
@@ -32606,7 +32776,7 @@
         </p:nvSpPr>
         <p:spPr bwMode="auto">
           <a:xfrm>
-            <a:off x="817033" y="6356351"/>
+            <a:off x="817033" y="6671141"/>
             <a:ext cx="2641600" cy="365125"/>
           </a:xfrm>
           <a:prstGeom prst="rect">
@@ -32837,7 +33007,7 @@
         </p:nvSpPr>
         <p:spPr bwMode="auto">
           <a:xfrm>
-            <a:off x="766233" y="2420939"/>
+            <a:off x="766233" y="2735729"/>
             <a:ext cx="10676467" cy="2486025"/>
           </a:xfrm>
           <a:prstGeom prst="roundRect">
@@ -33021,7 +33191,7 @@
         </p:nvSpPr>
         <p:spPr bwMode="auto">
           <a:xfrm>
-            <a:off x="766232" y="3808412"/>
+            <a:off x="766232" y="4123202"/>
             <a:ext cx="10676467" cy="2486025"/>
           </a:xfrm>
           <a:prstGeom prst="roundRect">
@@ -38338,7 +38508,7 @@
         <a:sysClr val="windowText" lastClr="000000"/>
       </a:dk1>
       <a:lt1>
-        <a:sysClr val="window" lastClr="FFFFFF"/>
+        <a:sysClr val="window" lastClr="CCE8CF"/>
       </a:lt1>
       <a:dk2>
         <a:srgbClr val="766F54"/>
@@ -38567,7 +38737,7 @@
   <a:extraClrSchemeLst/>
   <a:extLst>
     <a:ext uri="{05A4C25C-085E-4340-85A3-A5531E510DB2}">
-      <thm15:themeFamily xmlns="" xmlns:thm15="http://schemas.microsoft.com/office/thememl/2012/main" name="Wisp" id="{7CB32D59-10C0-40DD-B7BD-2E94284A981C}" vid="{24B1A44C-C006-48B2-A4D7-E5549B3D8CD4}"/>
+      <thm15:themeFamily xmlns:thm15="http://schemas.microsoft.com/office/thememl/2012/main" xmlns="" name="Wisp" id="{7CB32D59-10C0-40DD-B7BD-2E94284A981C}" vid="{24B1A44C-C006-48B2-A4D7-E5549B3D8CD4}"/>
     </a:ext>
   </a:extLst>
 </a:theme>
@@ -38581,7 +38751,7 @@
         <a:sysClr val="windowText" lastClr="000000"/>
       </a:dk1>
       <a:lt1>
-        <a:sysClr val="window" lastClr="FFFFFF"/>
+        <a:sysClr val="window" lastClr="CCE8CF"/>
       </a:lt1>
       <a:dk2>
         <a:srgbClr val="44546A"/>
@@ -38828,7 +38998,7 @@
   <a:extraClrSchemeLst/>
   <a:extLst>
     <a:ext uri="{05A4C25C-085E-4340-85A3-A5531E510DB2}">
-      <thm15:themeFamily xmlns="" xmlns:thm15="http://schemas.microsoft.com/office/thememl/2012/main" name="Office Theme" id="{62F939B6-93AF-4DB8-9C6B-D6C7DFDC589F}" vid="{4A3C46E8-61CC-4603-A589-7422A47A8E4A}"/>
+      <thm15:themeFamily xmlns:thm15="http://schemas.microsoft.com/office/thememl/2012/main" xmlns="" name="Office Theme" id="{62F939B6-93AF-4DB8-9C6B-D6C7DFDC589F}" vid="{4A3C46E8-61CC-4603-A589-7422A47A8E4A}"/>
     </a:ext>
   </a:extLst>
 </a:theme>
